--- a/ssl_diagram.pptx
+++ b/ssl_diagram.pptx
@@ -104,6 +104,11 @@
       </a:defRPr>
     </a:lvl9pPr>
   </p:defaultTextStyle>
+  <p:extLst>
+    <p:ext uri="{EFAFB233-063F-42B5-8137-9DF3F51BA10A}">
+      <p15:sldGuideLst xmlns:p15="http://schemas.microsoft.com/office/powerpoint/2012/main"/>
+    </p:ext>
+  </p:extLst>
 </p:presentation>
 </file>
 
@@ -3364,7 +3369,7 @@
           <a:p>
             <a:pPr algn="ctr"/>
             <a:r>
-              <a:rPr lang="en-US" dirty="0"/>
+              <a:rPr lang="en-US" b="1" dirty="0"/>
               <a:t>Train Classifier</a:t>
             </a:r>
           </a:p>
@@ -3391,11 +3396,17 @@
             <a:avLst/>
           </a:prstGeom>
           <a:solidFill>
-            <a:srgbClr val="92D050"/>
+            <a:schemeClr val="accent6">
+              <a:lumMod val="40000"/>
+              <a:lumOff val="60000"/>
+            </a:schemeClr>
           </a:solidFill>
           <a:ln>
             <a:solidFill>
-              <a:srgbClr val="92D050"/>
+              <a:schemeClr val="accent6">
+                <a:lumMod val="40000"/>
+                <a:lumOff val="60000"/>
+              </a:schemeClr>
             </a:solidFill>
           </a:ln>
         </p:spPr>
@@ -3474,7 +3485,7 @@
           <a:p>
             <a:pPr algn="ctr"/>
             <a:r>
-              <a:rPr lang="en-US" dirty="0"/>
+              <a:rPr lang="en-US" b="1" dirty="0"/>
               <a:t>Generate “Pseudo-Labels” with Classifier Predictions </a:t>
             </a:r>
           </a:p>
@@ -3501,11 +3512,15 @@
             <a:avLst/>
           </a:prstGeom>
           <a:solidFill>
-            <a:srgbClr val="FFC000"/>
+            <a:schemeClr val="accent6">
+              <a:lumMod val="50000"/>
+            </a:schemeClr>
           </a:solidFill>
           <a:ln>
             <a:solidFill>
-              <a:srgbClr val="FFC000"/>
+              <a:schemeClr val="accent6">
+                <a:lumMod val="50000"/>
+              </a:schemeClr>
             </a:solidFill>
           </a:ln>
         </p:spPr>
@@ -3562,14 +3577,14 @@
             <a:avLst/>
           </a:prstGeom>
           <a:solidFill>
-            <a:schemeClr val="accent2">
+            <a:schemeClr val="accent6">
               <a:lumMod val="60000"/>
               <a:lumOff val="40000"/>
             </a:schemeClr>
           </a:solidFill>
           <a:ln>
             <a:solidFill>
-              <a:schemeClr val="accent2">
+              <a:schemeClr val="accent6">
                 <a:lumMod val="60000"/>
                 <a:lumOff val="40000"/>
               </a:schemeClr>
@@ -3622,20 +3637,20 @@
         </p:nvSpPr>
         <p:spPr>
           <a:xfrm>
-            <a:off x="6005342" y="2345665"/>
-            <a:ext cx="2672164" cy="646331"/>
+            <a:off x="5933022" y="2345665"/>
+            <a:ext cx="2816803" cy="646331"/>
           </a:xfrm>
           <a:prstGeom prst="rect">
             <a:avLst/>
           </a:prstGeom>
           <a:solidFill>
-            <a:schemeClr val="accent2">
+            <a:schemeClr val="accent6">
               <a:lumMod val="75000"/>
             </a:schemeClr>
           </a:solidFill>
           <a:ln>
             <a:solidFill>
-              <a:schemeClr val="accent2">
+              <a:schemeClr val="accent6">
                 <a:lumMod val="75000"/>
               </a:schemeClr>
             </a:solidFill>
@@ -3668,7 +3683,7 @@
                   <a:schemeClr val="bg1"/>
                 </a:solidFill>
               </a:rPr>
-              <a:t>Combined Labeled and “Pseudo-Labeled” Data</a:t>
+              <a:t>Combined Labeled Training and “Pseudo-Labeled” Data</a:t>
             </a:r>
           </a:p>
         </p:txBody>
@@ -3716,8 +3731,8 @@
           <a:p>
             <a:pPr algn="ctr"/>
             <a:r>
-              <a:rPr lang="en-US" dirty="0"/>
-              <a:t>Re-Train Classifier on Labeled/”Pseudo-Labeled” Data</a:t>
+              <a:rPr lang="en-US" b="1" dirty="0"/>
+              <a:t>Re-Train Classifier on Labeled + ”Pseudo-Labeled” Data</a:t>
             </a:r>
           </a:p>
         </p:txBody>
@@ -3736,7 +3751,7 @@
         </p:nvSpPr>
         <p:spPr>
           <a:xfrm>
-            <a:off x="8957673" y="3208278"/>
+            <a:off x="9206249" y="3208278"/>
             <a:ext cx="2530037" cy="1091775"/>
           </a:xfrm>
           <a:prstGeom prst="ellipse">
@@ -3765,8 +3780,8 @@
           <a:p>
             <a:pPr algn="ctr"/>
             <a:r>
-              <a:rPr lang="en-US" dirty="0"/>
-              <a:t>Make Test Predictions and Evaluate Classifier</a:t>
+              <a:rPr lang="en-US" b="1" dirty="0"/>
+              <a:t>Make Test Predictions</a:t>
             </a:r>
           </a:p>
         </p:txBody>
@@ -3785,18 +3800,22 @@
         </p:nvSpPr>
         <p:spPr>
           <a:xfrm>
-            <a:off x="9061149" y="2472794"/>
+            <a:off x="9309725" y="2472794"/>
             <a:ext cx="2323083" cy="369332"/>
           </a:xfrm>
           <a:prstGeom prst="rect">
             <a:avLst/>
           </a:prstGeom>
           <a:solidFill>
-            <a:srgbClr val="FFC000"/>
+            <a:schemeClr val="accent6">
+              <a:lumMod val="50000"/>
+            </a:schemeClr>
           </a:solidFill>
           <a:ln>
             <a:solidFill>
-              <a:srgbClr val="FFC000"/>
+              <a:schemeClr val="accent6">
+                <a:lumMod val="50000"/>
+              </a:schemeClr>
             </a:solidFill>
           </a:ln>
         </p:spPr>
@@ -3828,6 +3847,630 @@
                 </a:solidFill>
               </a:rPr>
               <a:t>Labeled Test Data</a:t>
+            </a:r>
+          </a:p>
+        </p:txBody>
+      </p:sp>
+      <p:cxnSp>
+        <p:nvCxnSpPr>
+          <p:cNvPr id="3" name="Straight Arrow Connector 2">
+            <a:extLst>
+              <a:ext uri="{FF2B5EF4-FFF2-40B4-BE49-F238E27FC236}">
+                <a16:creationId xmlns:a16="http://schemas.microsoft.com/office/drawing/2014/main" id="{90EE6898-31DB-4CCF-A9D0-D10EBC002583}"/>
+              </a:ext>
+            </a:extLst>
+          </p:cNvPr>
+          <p:cNvCxnSpPr>
+            <a:cxnSpLocks/>
+            <a:stCxn id="28" idx="2"/>
+            <a:endCxn id="9" idx="0"/>
+          </p:cNvCxnSpPr>
+          <p:nvPr/>
+        </p:nvCxnSpPr>
+        <p:spPr>
+          <a:xfrm>
+            <a:off x="1310177" y="2842126"/>
+            <a:ext cx="1" cy="366152"/>
+          </a:xfrm>
+          <a:prstGeom prst="straightConnector1">
+            <a:avLst/>
+          </a:prstGeom>
+          <a:ln>
+            <a:tailEnd type="triangle"/>
+          </a:ln>
+        </p:spPr>
+        <p:style>
+          <a:lnRef idx="3">
+            <a:schemeClr val="dk1"/>
+          </a:lnRef>
+          <a:fillRef idx="0">
+            <a:schemeClr val="dk1"/>
+          </a:fillRef>
+          <a:effectRef idx="2">
+            <a:schemeClr val="dk1"/>
+          </a:effectRef>
+          <a:fontRef idx="minor">
+            <a:schemeClr val="tx1"/>
+          </a:fontRef>
+        </p:style>
+      </p:cxnSp>
+      <p:cxnSp>
+        <p:nvCxnSpPr>
+          <p:cNvPr id="16" name="Straight Arrow Connector 15">
+            <a:extLst>
+              <a:ext uri="{FF2B5EF4-FFF2-40B4-BE49-F238E27FC236}">
+                <a16:creationId xmlns:a16="http://schemas.microsoft.com/office/drawing/2014/main" id="{A182401C-9EA5-4B31-A809-E7389DAC8D5F}"/>
+              </a:ext>
+            </a:extLst>
+          </p:cNvPr>
+          <p:cNvCxnSpPr>
+            <a:cxnSpLocks/>
+            <a:stCxn id="9" idx="6"/>
+            <a:endCxn id="19" idx="2"/>
+          </p:cNvCxnSpPr>
+          <p:nvPr/>
+        </p:nvCxnSpPr>
+        <p:spPr>
+          <a:xfrm>
+            <a:off x="2343705" y="3754166"/>
+            <a:ext cx="427569" cy="0"/>
+          </a:xfrm>
+          <a:prstGeom prst="straightConnector1">
+            <a:avLst/>
+          </a:prstGeom>
+          <a:ln>
+            <a:tailEnd type="triangle"/>
+          </a:ln>
+        </p:spPr>
+        <p:style>
+          <a:lnRef idx="3">
+            <a:schemeClr val="dk1"/>
+          </a:lnRef>
+          <a:fillRef idx="0">
+            <a:schemeClr val="dk1"/>
+          </a:fillRef>
+          <a:effectRef idx="2">
+            <a:schemeClr val="dk1"/>
+          </a:effectRef>
+          <a:fontRef idx="minor">
+            <a:schemeClr val="tx1"/>
+          </a:fontRef>
+        </p:style>
+      </p:cxnSp>
+      <p:cxnSp>
+        <p:nvCxnSpPr>
+          <p:cNvPr id="18" name="Straight Arrow Connector 17">
+            <a:extLst>
+              <a:ext uri="{FF2B5EF4-FFF2-40B4-BE49-F238E27FC236}">
+                <a16:creationId xmlns:a16="http://schemas.microsoft.com/office/drawing/2014/main" id="{093B31A1-0A81-437E-9945-0FA47F7EE897}"/>
+              </a:ext>
+            </a:extLst>
+          </p:cNvPr>
+          <p:cNvCxnSpPr>
+            <a:cxnSpLocks/>
+            <a:stCxn id="15" idx="0"/>
+            <a:endCxn id="19" idx="4"/>
+          </p:cNvCxnSpPr>
+          <p:nvPr/>
+        </p:nvCxnSpPr>
+        <p:spPr>
+          <a:xfrm flipV="1">
+            <a:off x="4102204" y="4300053"/>
+            <a:ext cx="0" cy="354782"/>
+          </a:xfrm>
+          <a:prstGeom prst="straightConnector1">
+            <a:avLst/>
+          </a:prstGeom>
+          <a:ln>
+            <a:tailEnd type="triangle"/>
+          </a:ln>
+        </p:spPr>
+        <p:style>
+          <a:lnRef idx="3">
+            <a:schemeClr val="dk1"/>
+          </a:lnRef>
+          <a:fillRef idx="0">
+            <a:schemeClr val="dk1"/>
+          </a:fillRef>
+          <a:effectRef idx="2">
+            <a:schemeClr val="dk1"/>
+          </a:effectRef>
+          <a:fontRef idx="minor">
+            <a:schemeClr val="tx1"/>
+          </a:fontRef>
+        </p:style>
+      </p:cxnSp>
+      <p:cxnSp>
+        <p:nvCxnSpPr>
+          <p:cNvPr id="21" name="Straight Arrow Connector 20">
+            <a:extLst>
+              <a:ext uri="{FF2B5EF4-FFF2-40B4-BE49-F238E27FC236}">
+                <a16:creationId xmlns:a16="http://schemas.microsoft.com/office/drawing/2014/main" id="{961187F3-FE45-4545-BDCA-EF710B147568}"/>
+              </a:ext>
+            </a:extLst>
+          </p:cNvPr>
+          <p:cNvCxnSpPr>
+            <a:cxnSpLocks/>
+            <a:stCxn id="19" idx="0"/>
+            <a:endCxn id="30" idx="2"/>
+          </p:cNvCxnSpPr>
+          <p:nvPr/>
+        </p:nvCxnSpPr>
+        <p:spPr>
+          <a:xfrm flipV="1">
+            <a:off x="4102204" y="2853496"/>
+            <a:ext cx="5152" cy="354782"/>
+          </a:xfrm>
+          <a:prstGeom prst="straightConnector1">
+            <a:avLst/>
+          </a:prstGeom>
+          <a:ln>
+            <a:tailEnd type="triangle"/>
+          </a:ln>
+        </p:spPr>
+        <p:style>
+          <a:lnRef idx="3">
+            <a:schemeClr val="dk1"/>
+          </a:lnRef>
+          <a:fillRef idx="0">
+            <a:schemeClr val="dk1"/>
+          </a:fillRef>
+          <a:effectRef idx="2">
+            <a:schemeClr val="dk1"/>
+          </a:effectRef>
+          <a:fontRef idx="minor">
+            <a:schemeClr val="tx1"/>
+          </a:fontRef>
+        </p:style>
+      </p:cxnSp>
+      <p:cxnSp>
+        <p:nvCxnSpPr>
+          <p:cNvPr id="24" name="Straight Arrow Connector 23">
+            <a:extLst>
+              <a:ext uri="{FF2B5EF4-FFF2-40B4-BE49-F238E27FC236}">
+                <a16:creationId xmlns:a16="http://schemas.microsoft.com/office/drawing/2014/main" id="{7506C5E0-277B-4A9E-A957-9C1EA0B0E7DD}"/>
+              </a:ext>
+            </a:extLst>
+          </p:cNvPr>
+          <p:cNvCxnSpPr>
+            <a:cxnSpLocks/>
+            <a:stCxn id="30" idx="3"/>
+            <a:endCxn id="58" idx="1"/>
+          </p:cNvCxnSpPr>
+          <p:nvPr/>
+        </p:nvCxnSpPr>
+        <p:spPr>
+          <a:xfrm>
+            <a:off x="5443438" y="2668830"/>
+            <a:ext cx="489584" cy="1"/>
+          </a:xfrm>
+          <a:prstGeom prst="straightConnector1">
+            <a:avLst/>
+          </a:prstGeom>
+          <a:ln>
+            <a:tailEnd type="triangle"/>
+          </a:ln>
+        </p:spPr>
+        <p:style>
+          <a:lnRef idx="3">
+            <a:schemeClr val="dk1"/>
+          </a:lnRef>
+          <a:fillRef idx="0">
+            <a:schemeClr val="dk1"/>
+          </a:fillRef>
+          <a:effectRef idx="2">
+            <a:schemeClr val="dk1"/>
+          </a:effectRef>
+          <a:fontRef idx="minor">
+            <a:schemeClr val="tx1"/>
+          </a:fontRef>
+        </p:style>
+      </p:cxnSp>
+      <p:cxnSp>
+        <p:nvCxnSpPr>
+          <p:cNvPr id="31" name="Connector: Elbow 30">
+            <a:extLst>
+              <a:ext uri="{FF2B5EF4-FFF2-40B4-BE49-F238E27FC236}">
+                <a16:creationId xmlns:a16="http://schemas.microsoft.com/office/drawing/2014/main" id="{66C4376B-9DC5-481E-A7C8-00D7A576201F}"/>
+              </a:ext>
+            </a:extLst>
+          </p:cNvPr>
+          <p:cNvCxnSpPr>
+            <a:cxnSpLocks/>
+            <a:stCxn id="28" idx="0"/>
+            <a:endCxn id="58" idx="0"/>
+          </p:cNvCxnSpPr>
+          <p:nvPr/>
+        </p:nvCxnSpPr>
+        <p:spPr>
+          <a:xfrm rot="5400000" flipH="1" flipV="1">
+            <a:off x="4262236" y="-606393"/>
+            <a:ext cx="127129" cy="6031247"/>
+          </a:xfrm>
+          <a:prstGeom prst="bentConnector3">
+            <a:avLst>
+              <a:gd name="adj1" fmla="val 279817"/>
+            </a:avLst>
+          </a:prstGeom>
+          <a:ln>
+            <a:tailEnd type="triangle"/>
+          </a:ln>
+        </p:spPr>
+        <p:style>
+          <a:lnRef idx="3">
+            <a:schemeClr val="dk1"/>
+          </a:lnRef>
+          <a:fillRef idx="0">
+            <a:schemeClr val="dk1"/>
+          </a:fillRef>
+          <a:effectRef idx="2">
+            <a:schemeClr val="dk1"/>
+          </a:effectRef>
+          <a:fontRef idx="minor">
+            <a:schemeClr val="tx1"/>
+          </a:fontRef>
+        </p:style>
+      </p:cxnSp>
+      <p:cxnSp>
+        <p:nvCxnSpPr>
+          <p:cNvPr id="43" name="Straight Arrow Connector 42">
+            <a:extLst>
+              <a:ext uri="{FF2B5EF4-FFF2-40B4-BE49-F238E27FC236}">
+                <a16:creationId xmlns:a16="http://schemas.microsoft.com/office/drawing/2014/main" id="{684A2956-7F91-4F0C-BAED-0805D26E8F74}"/>
+              </a:ext>
+            </a:extLst>
+          </p:cNvPr>
+          <p:cNvCxnSpPr>
+            <a:cxnSpLocks/>
+            <a:stCxn id="58" idx="2"/>
+            <a:endCxn id="69" idx="0"/>
+          </p:cNvCxnSpPr>
+          <p:nvPr/>
+        </p:nvCxnSpPr>
+        <p:spPr>
+          <a:xfrm>
+            <a:off x="7341424" y="2991996"/>
+            <a:ext cx="1" cy="216282"/>
+          </a:xfrm>
+          <a:prstGeom prst="straightConnector1">
+            <a:avLst/>
+          </a:prstGeom>
+          <a:ln>
+            <a:tailEnd type="triangle"/>
+          </a:ln>
+        </p:spPr>
+        <p:style>
+          <a:lnRef idx="3">
+            <a:schemeClr val="dk1"/>
+          </a:lnRef>
+          <a:fillRef idx="0">
+            <a:schemeClr val="dk1"/>
+          </a:fillRef>
+          <a:effectRef idx="2">
+            <a:schemeClr val="dk1"/>
+          </a:effectRef>
+          <a:fontRef idx="minor">
+            <a:schemeClr val="tx1"/>
+          </a:fontRef>
+        </p:style>
+      </p:cxnSp>
+      <p:cxnSp>
+        <p:nvCxnSpPr>
+          <p:cNvPr id="50" name="Straight Arrow Connector 49">
+            <a:extLst>
+              <a:ext uri="{FF2B5EF4-FFF2-40B4-BE49-F238E27FC236}">
+                <a16:creationId xmlns:a16="http://schemas.microsoft.com/office/drawing/2014/main" id="{3B9C63DB-CC0C-49BC-B4C3-B70F491F5170}"/>
+              </a:ext>
+            </a:extLst>
+          </p:cNvPr>
+          <p:cNvCxnSpPr>
+            <a:cxnSpLocks/>
+            <a:stCxn id="69" idx="6"/>
+            <a:endCxn id="71" idx="2"/>
+          </p:cNvCxnSpPr>
+          <p:nvPr/>
+        </p:nvCxnSpPr>
+        <p:spPr>
+          <a:xfrm>
+            <a:off x="8868792" y="3754166"/>
+            <a:ext cx="337457" cy="0"/>
+          </a:xfrm>
+          <a:prstGeom prst="straightConnector1">
+            <a:avLst/>
+          </a:prstGeom>
+          <a:ln>
+            <a:tailEnd type="triangle"/>
+          </a:ln>
+        </p:spPr>
+        <p:style>
+          <a:lnRef idx="3">
+            <a:schemeClr val="dk1"/>
+          </a:lnRef>
+          <a:fillRef idx="0">
+            <a:schemeClr val="dk1"/>
+          </a:fillRef>
+          <a:effectRef idx="2">
+            <a:schemeClr val="dk1"/>
+          </a:effectRef>
+          <a:fontRef idx="minor">
+            <a:schemeClr val="tx1"/>
+          </a:fontRef>
+        </p:style>
+      </p:cxnSp>
+      <p:cxnSp>
+        <p:nvCxnSpPr>
+          <p:cNvPr id="53" name="Straight Arrow Connector 52">
+            <a:extLst>
+              <a:ext uri="{FF2B5EF4-FFF2-40B4-BE49-F238E27FC236}">
+                <a16:creationId xmlns:a16="http://schemas.microsoft.com/office/drawing/2014/main" id="{FDF65A4D-CD85-4A17-8D41-A9395DD7E5E9}"/>
+              </a:ext>
+            </a:extLst>
+          </p:cNvPr>
+          <p:cNvCxnSpPr>
+            <a:cxnSpLocks/>
+            <a:endCxn id="71" idx="0"/>
+          </p:cNvCxnSpPr>
+          <p:nvPr/>
+        </p:nvCxnSpPr>
+        <p:spPr>
+          <a:xfrm>
+            <a:off x="10471265" y="2853496"/>
+            <a:ext cx="3" cy="354782"/>
+          </a:xfrm>
+          <a:prstGeom prst="straightConnector1">
+            <a:avLst/>
+          </a:prstGeom>
+          <a:ln>
+            <a:tailEnd type="triangle"/>
+          </a:ln>
+        </p:spPr>
+        <p:style>
+          <a:lnRef idx="3">
+            <a:schemeClr val="dk1"/>
+          </a:lnRef>
+          <a:fillRef idx="0">
+            <a:schemeClr val="dk1"/>
+          </a:fillRef>
+          <a:effectRef idx="2">
+            <a:schemeClr val="dk1"/>
+          </a:effectRef>
+          <a:fontRef idx="minor">
+            <a:schemeClr val="tx1"/>
+          </a:fontRef>
+        </p:style>
+      </p:cxnSp>
+      <p:sp>
+        <p:nvSpPr>
+          <p:cNvPr id="55" name="Cloud 54">
+            <a:extLst>
+              <a:ext uri="{FF2B5EF4-FFF2-40B4-BE49-F238E27FC236}">
+                <a16:creationId xmlns:a16="http://schemas.microsoft.com/office/drawing/2014/main" id="{B8C4465C-F268-4746-8F27-1DBB6C34043E}"/>
+              </a:ext>
+            </a:extLst>
+          </p:cNvPr>
+          <p:cNvSpPr/>
+          <p:nvPr/>
+        </p:nvSpPr>
+        <p:spPr>
+          <a:xfrm>
+            <a:off x="9309725" y="4666205"/>
+            <a:ext cx="2323083" cy="1275448"/>
+          </a:xfrm>
+          <a:prstGeom prst="cloud">
+            <a:avLst/>
+          </a:prstGeom>
+        </p:spPr>
+        <p:style>
+          <a:lnRef idx="2">
+            <a:schemeClr val="accent1">
+              <a:shade val="50000"/>
+            </a:schemeClr>
+          </a:lnRef>
+          <a:fillRef idx="1">
+            <a:schemeClr val="accent1"/>
+          </a:fillRef>
+          <a:effectRef idx="0">
+            <a:schemeClr val="accent1"/>
+          </a:effectRef>
+          <a:fontRef idx="minor">
+            <a:schemeClr val="lt1"/>
+          </a:fontRef>
+        </p:style>
+        <p:txBody>
+          <a:bodyPr rtlCol="0" anchor="ctr"/>
+          <a:lstStyle/>
+          <a:p>
+            <a:pPr algn="ctr"/>
+            <a:r>
+              <a:rPr lang="en-US" b="1" dirty="0"/>
+              <a:t>Evaluate Classifier</a:t>
+            </a:r>
+          </a:p>
+        </p:txBody>
+      </p:sp>
+      <p:cxnSp>
+        <p:nvCxnSpPr>
+          <p:cNvPr id="60" name="Straight Arrow Connector 59">
+            <a:extLst>
+              <a:ext uri="{FF2B5EF4-FFF2-40B4-BE49-F238E27FC236}">
+                <a16:creationId xmlns:a16="http://schemas.microsoft.com/office/drawing/2014/main" id="{C3D0BC5B-113B-45AC-9BEA-7C6D04CBAD52}"/>
+              </a:ext>
+            </a:extLst>
+          </p:cNvPr>
+          <p:cNvCxnSpPr>
+            <a:cxnSpLocks/>
+            <a:stCxn id="71" idx="4"/>
+            <a:endCxn id="55" idx="3"/>
+          </p:cNvCxnSpPr>
+          <p:nvPr/>
+        </p:nvCxnSpPr>
+        <p:spPr>
+          <a:xfrm flipH="1">
+            <a:off x="10471267" y="4300053"/>
+            <a:ext cx="1" cy="439077"/>
+          </a:xfrm>
+          <a:prstGeom prst="straightConnector1">
+            <a:avLst/>
+          </a:prstGeom>
+          <a:ln>
+            <a:tailEnd type="triangle"/>
+          </a:ln>
+        </p:spPr>
+        <p:style>
+          <a:lnRef idx="3">
+            <a:schemeClr val="dk1"/>
+          </a:lnRef>
+          <a:fillRef idx="0">
+            <a:schemeClr val="dk1"/>
+          </a:fillRef>
+          <a:effectRef idx="2">
+            <a:schemeClr val="dk1"/>
+          </a:effectRef>
+          <a:fontRef idx="minor">
+            <a:schemeClr val="tx1"/>
+          </a:fontRef>
+        </p:style>
+      </p:cxnSp>
+      <p:sp>
+        <p:nvSpPr>
+          <p:cNvPr id="59" name="TextBox 58">
+            <a:extLst>
+              <a:ext uri="{FF2B5EF4-FFF2-40B4-BE49-F238E27FC236}">
+                <a16:creationId xmlns:a16="http://schemas.microsoft.com/office/drawing/2014/main" id="{7CE1E48C-51A6-41D0-8D92-DC64F46C1890}"/>
+              </a:ext>
+            </a:extLst>
+          </p:cNvPr>
+          <p:cNvSpPr txBox="1"/>
+          <p:nvPr/>
+        </p:nvSpPr>
+        <p:spPr>
+          <a:xfrm>
+            <a:off x="910681" y="1500691"/>
+            <a:ext cx="798990" cy="369332"/>
+          </a:xfrm>
+          <a:prstGeom prst="rect">
+            <a:avLst/>
+          </a:prstGeom>
+          <a:noFill/>
+        </p:spPr>
+        <p:txBody>
+          <a:bodyPr wrap="square" rtlCol="0">
+            <a:spAutoFit/>
+          </a:bodyPr>
+          <a:lstStyle/>
+          <a:p>
+            <a:pPr algn="ctr"/>
+            <a:r>
+              <a:rPr lang="en-US" dirty="0"/>
+              <a:t>Step 1</a:t>
+            </a:r>
+          </a:p>
+        </p:txBody>
+      </p:sp>
+      <p:sp>
+        <p:nvSpPr>
+          <p:cNvPr id="61" name="TextBox 60">
+            <a:extLst>
+              <a:ext uri="{FF2B5EF4-FFF2-40B4-BE49-F238E27FC236}">
+                <a16:creationId xmlns:a16="http://schemas.microsoft.com/office/drawing/2014/main" id="{96945424-D916-407F-8505-C80134BCD129}"/>
+              </a:ext>
+            </a:extLst>
+          </p:cNvPr>
+          <p:cNvSpPr txBox="1"/>
+          <p:nvPr/>
+        </p:nvSpPr>
+        <p:spPr>
+          <a:xfrm>
+            <a:off x="3702708" y="1500691"/>
+            <a:ext cx="798990" cy="369332"/>
+          </a:xfrm>
+          <a:prstGeom prst="rect">
+            <a:avLst/>
+          </a:prstGeom>
+          <a:noFill/>
+        </p:spPr>
+        <p:txBody>
+          <a:bodyPr wrap="square" rtlCol="0">
+            <a:spAutoFit/>
+          </a:bodyPr>
+          <a:lstStyle/>
+          <a:p>
+            <a:pPr algn="ctr"/>
+            <a:r>
+              <a:rPr lang="en-US" dirty="0"/>
+              <a:t>Step 2</a:t>
+            </a:r>
+          </a:p>
+        </p:txBody>
+      </p:sp>
+      <p:sp>
+        <p:nvSpPr>
+          <p:cNvPr id="63" name="TextBox 62">
+            <a:extLst>
+              <a:ext uri="{FF2B5EF4-FFF2-40B4-BE49-F238E27FC236}">
+                <a16:creationId xmlns:a16="http://schemas.microsoft.com/office/drawing/2014/main" id="{16A283CA-2586-4FE0-9556-520D01180F55}"/>
+              </a:ext>
+            </a:extLst>
+          </p:cNvPr>
+          <p:cNvSpPr txBox="1"/>
+          <p:nvPr/>
+        </p:nvSpPr>
+        <p:spPr>
+          <a:xfrm>
+            <a:off x="6941928" y="1500691"/>
+            <a:ext cx="798990" cy="369332"/>
+          </a:xfrm>
+          <a:prstGeom prst="rect">
+            <a:avLst/>
+          </a:prstGeom>
+          <a:noFill/>
+        </p:spPr>
+        <p:txBody>
+          <a:bodyPr wrap="square" rtlCol="0">
+            <a:spAutoFit/>
+          </a:bodyPr>
+          <a:lstStyle/>
+          <a:p>
+            <a:pPr algn="ctr"/>
+            <a:r>
+              <a:rPr lang="en-US" dirty="0"/>
+              <a:t>Step 3</a:t>
+            </a:r>
+          </a:p>
+        </p:txBody>
+      </p:sp>
+      <p:sp>
+        <p:nvSpPr>
+          <p:cNvPr id="65" name="TextBox 64">
+            <a:extLst>
+              <a:ext uri="{FF2B5EF4-FFF2-40B4-BE49-F238E27FC236}">
+                <a16:creationId xmlns:a16="http://schemas.microsoft.com/office/drawing/2014/main" id="{25F77143-9D6D-41EF-9D2D-ED3EEAE61D61}"/>
+              </a:ext>
+            </a:extLst>
+          </p:cNvPr>
+          <p:cNvSpPr txBox="1"/>
+          <p:nvPr/>
+        </p:nvSpPr>
+        <p:spPr>
+          <a:xfrm>
+            <a:off x="10071770" y="1500691"/>
+            <a:ext cx="798990" cy="369332"/>
+          </a:xfrm>
+          <a:prstGeom prst="rect">
+            <a:avLst/>
+          </a:prstGeom>
+          <a:noFill/>
+        </p:spPr>
+        <p:txBody>
+          <a:bodyPr wrap="square" rtlCol="0">
+            <a:spAutoFit/>
+          </a:bodyPr>
+          <a:lstStyle/>
+          <a:p>
+            <a:pPr algn="ctr"/>
+            <a:r>
+              <a:rPr lang="en-US" dirty="0"/>
+              <a:t>Step 4</a:t>
             </a:r>
           </a:p>
         </p:txBody>
